--- a/doc/Care@Home-Prez.pptx
+++ b/doc/Care@Home-Prez.pptx
@@ -144,7 +144,7 @@
           <c:x val="0.232869998393058"/>
           <c:y val="0.10004434415394027"/>
           <c:w val="0.51947854732444154"/>
-          <c:h val="0.85711217701072673"/>
+          <c:h val="0.85711217701072662"/>
         </c:manualLayout>
       </c:layout>
       <c:radarChart>
@@ -179,34 +179,34 @@
                   <c:v>1</c:v>
                 </c:pt>
                 <c:pt idx="1">
-                  <c:v>1.003052503052503</c:v>
+                  <c:v>1.0030525030525033</c:v>
                 </c:pt>
                 <c:pt idx="2">
-                  <c:v>0.75</c:v>
+                  <c:v>0.75000000000000011</c:v>
                 </c:pt>
               </c:numCache>
             </c:numRef>
           </c:val>
         </c:ser>
-        <c:axId val="39303040"/>
-        <c:axId val="42968960"/>
+        <c:axId val="35121792"/>
+        <c:axId val="52086272"/>
       </c:radarChart>
       <c:catAx>
-        <c:axId val="39303040"/>
+        <c:axId val="35121792"/>
         <c:scaling>
           <c:orientation val="minMax"/>
         </c:scaling>
         <c:axPos val="b"/>
         <c:majorGridlines/>
         <c:tickLblPos val="nextTo"/>
-        <c:crossAx val="42968960"/>
+        <c:crossAx val="52086272"/>
         <c:crosses val="autoZero"/>
         <c:auto val="1"/>
         <c:lblAlgn val="ctr"/>
         <c:lblOffset val="100"/>
       </c:catAx>
       <c:valAx>
-        <c:axId val="42968960"/>
+        <c:axId val="52086272"/>
         <c:scaling>
           <c:orientation val="minMax"/>
         </c:scaling>
@@ -214,7 +214,7 @@
         <c:majorGridlines/>
         <c:numFmt formatCode="General" sourceLinked="1"/>
         <c:tickLblPos val="none"/>
-        <c:crossAx val="39303040"/>
+        <c:crossAx val="35121792"/>
         <c:crosses val="autoZero"/>
         <c:crossBetween val="between"/>
         <c:majorUnit val="0.5"/>
@@ -595,7 +595,7 @@
     </p:spTree>
     <p:extLst>
       <p:ext uri="{BB962C8B-B14F-4D97-AF65-F5344CB8AC3E}">
-        <p14:creationId xmlns:p14="http://schemas.microsoft.com/office/powerpoint/2010/main" xmlns="" val="1818981386"/>
+        <p14:creationId xmlns="" xmlns:p14="http://schemas.microsoft.com/office/powerpoint/2010/main" val="1818981386"/>
       </p:ext>
     </p:extLst>
   </p:cSld>
@@ -4278,6 +4278,30 @@
           <a:chExt cx="0" cy="0"/>
         </a:xfrm>
       </p:grpSpPr>
+      <p:pic>
+        <p:nvPicPr>
+          <p:cNvPr id="4" name="Image 3" descr="logo.png"/>
+          <p:cNvPicPr>
+            <a:picLocks noChangeAspect="1"/>
+          </p:cNvPicPr>
+          <p:nvPr/>
+        </p:nvPicPr>
+        <p:blipFill>
+          <a:blip r:embed="rId2" cstate="print"/>
+          <a:stretch>
+            <a:fillRect/>
+          </a:stretch>
+        </p:blipFill>
+        <p:spPr>
+          <a:xfrm>
+            <a:off x="2267744" y="2060848"/>
+            <a:ext cx="1080120" cy="1437109"/>
+          </a:xfrm>
+          <a:prstGeom prst="rect">
+            <a:avLst/>
+          </a:prstGeom>
+        </p:spPr>
+      </p:pic>
       <p:sp>
         <p:nvSpPr>
           <p:cNvPr id="2" name="Titre 1"/>
@@ -4352,12 +4376,8 @@
           </a:p>
           <a:p>
             <a:r>
-              <a:rPr lang="fr-FR" sz="1800" dirty="0" err="1" smtClean="0"/>
-              <a:t>Jean-charles</a:t>
-            </a:r>
-            <a:r>
               <a:rPr lang="fr-FR" sz="1800" dirty="0" smtClean="0"/>
-              <a:t> </a:t>
+              <a:t>Jean-Charles </a:t>
             </a:r>
             <a:r>
               <a:rPr lang="fr-FR" sz="1800" dirty="0" err="1"/>
@@ -4407,7 +4427,7 @@
     </p:spTree>
     <p:extLst>
       <p:ext uri="{BB962C8B-B14F-4D97-AF65-F5344CB8AC3E}">
-        <p14:creationId xmlns:p14="http://schemas.microsoft.com/office/powerpoint/2010/main" xmlns="" val="1938899237"/>
+        <p14:creationId xmlns="" xmlns:p14="http://schemas.microsoft.com/office/powerpoint/2010/main" val="1938899237"/>
       </p:ext>
     </p:extLst>
   </p:cSld>
@@ -4667,7 +4687,7 @@
     </p:spTree>
     <p:extLst>
       <p:ext uri="{BB962C8B-B14F-4D97-AF65-F5344CB8AC3E}">
-        <p14:creationId xmlns:p14="http://schemas.microsoft.com/office/powerpoint/2010/main" xmlns="" val="2034595399"/>
+        <p14:creationId xmlns="" xmlns:p14="http://schemas.microsoft.com/office/powerpoint/2010/main" val="2034595399"/>
       </p:ext>
     </p:extLst>
   </p:cSld>
@@ -6140,7 +6160,7 @@
     </p:spTree>
     <p:extLst>
       <p:ext uri="{BB962C8B-B14F-4D97-AF65-F5344CB8AC3E}">
-        <p14:creationId xmlns:p14="http://schemas.microsoft.com/office/powerpoint/2010/main" xmlns="" val="3175535598"/>
+        <p14:creationId xmlns="" xmlns:p14="http://schemas.microsoft.com/office/powerpoint/2010/main" val="3175535598"/>
       </p:ext>
     </p:extLst>
   </p:cSld>
@@ -6767,7 +6787,7 @@
     </p:spTree>
     <p:extLst>
       <p:ext uri="{BB962C8B-B14F-4D97-AF65-F5344CB8AC3E}">
-        <p14:creationId xmlns:p14="http://schemas.microsoft.com/office/powerpoint/2010/main" xmlns="" val="3995557963"/>
+        <p14:creationId xmlns="" xmlns:p14="http://schemas.microsoft.com/office/powerpoint/2010/main" val="3995557963"/>
       </p:ext>
     </p:extLst>
   </p:cSld>
@@ -7482,7 +7502,7 @@
     </p:spTree>
     <p:extLst>
       <p:ext uri="{BB962C8B-B14F-4D97-AF65-F5344CB8AC3E}">
-        <p14:creationId xmlns:p14="http://schemas.microsoft.com/office/powerpoint/2010/main" xmlns="" val="2901621176"/>
+        <p14:creationId xmlns="" xmlns:p14="http://schemas.microsoft.com/office/powerpoint/2010/main" val="2901621176"/>
       </p:ext>
     </p:extLst>
   </p:cSld>
@@ -8139,7 +8159,7 @@
     </p:spTree>
     <p:extLst>
       <p:ext uri="{BB962C8B-B14F-4D97-AF65-F5344CB8AC3E}">
-        <p14:creationId xmlns:p14="http://schemas.microsoft.com/office/powerpoint/2010/main" xmlns="" val="3171211727"/>
+        <p14:creationId xmlns="" xmlns:p14="http://schemas.microsoft.com/office/powerpoint/2010/main" val="3171211727"/>
       </p:ext>
     </p:extLst>
   </p:cSld>
@@ -9084,7 +9104,7 @@
     </p:spTree>
     <p:extLst>
       <p:ext uri="{BB962C8B-B14F-4D97-AF65-F5344CB8AC3E}">
-        <p14:creationId xmlns:p14="http://schemas.microsoft.com/office/powerpoint/2010/main" xmlns="" val="2399576393"/>
+        <p14:creationId xmlns="" xmlns:p14="http://schemas.microsoft.com/office/powerpoint/2010/main" val="2399576393"/>
       </p:ext>
     </p:extLst>
   </p:cSld>
@@ -9735,7 +9755,7 @@
     </p:spTree>
     <p:extLst>
       <p:ext uri="{BB962C8B-B14F-4D97-AF65-F5344CB8AC3E}">
-        <p14:creationId xmlns:p14="http://schemas.microsoft.com/office/powerpoint/2010/main" xmlns="" val="3188834615"/>
+        <p14:creationId xmlns="" xmlns:p14="http://schemas.microsoft.com/office/powerpoint/2010/main" val="3188834615"/>
       </p:ext>
     </p:extLst>
   </p:cSld>
@@ -10450,7 +10470,7 @@
     </p:spTree>
     <p:extLst>
       <p:ext uri="{BB962C8B-B14F-4D97-AF65-F5344CB8AC3E}">
-        <p14:creationId xmlns:p14="http://schemas.microsoft.com/office/powerpoint/2010/main" xmlns="" val="4094883583"/>
+        <p14:creationId xmlns="" xmlns:p14="http://schemas.microsoft.com/office/powerpoint/2010/main" val="4094883583"/>
       </p:ext>
     </p:extLst>
   </p:cSld>
@@ -11084,7 +11104,7 @@
     </p:spTree>
     <p:extLst>
       <p:ext uri="{BB962C8B-B14F-4D97-AF65-F5344CB8AC3E}">
-        <p14:creationId xmlns:p14="http://schemas.microsoft.com/office/powerpoint/2010/main" xmlns="" val="146264072"/>
+        <p14:creationId xmlns="" xmlns:p14="http://schemas.microsoft.com/office/powerpoint/2010/main" val="146264072"/>
       </p:ext>
     </p:extLst>
   </p:cSld>
@@ -11799,7 +11819,7 @@
     </p:spTree>
     <p:extLst>
       <p:ext uri="{BB962C8B-B14F-4D97-AF65-F5344CB8AC3E}">
-        <p14:creationId xmlns:p14="http://schemas.microsoft.com/office/powerpoint/2010/main" xmlns="" val="234670363"/>
+        <p14:creationId xmlns="" xmlns:p14="http://schemas.microsoft.com/office/powerpoint/2010/main" val="234670363"/>
       </p:ext>
     </p:extLst>
   </p:cSld>
@@ -12479,7 +12499,7 @@
     </p:spTree>
     <p:extLst>
       <p:ext uri="{BB962C8B-B14F-4D97-AF65-F5344CB8AC3E}">
-        <p14:creationId xmlns:p14="http://schemas.microsoft.com/office/powerpoint/2010/main" xmlns="" val="153886055"/>
+        <p14:creationId xmlns="" xmlns:p14="http://schemas.microsoft.com/office/powerpoint/2010/main" val="153886055"/>
       </p:ext>
     </p:extLst>
   </p:cSld>
@@ -13220,7 +13240,7 @@
     </p:spTree>
     <p:extLst>
       <p:ext uri="{BB962C8B-B14F-4D97-AF65-F5344CB8AC3E}">
-        <p14:creationId xmlns:p14="http://schemas.microsoft.com/office/powerpoint/2010/main" xmlns="" val="2408268102"/>
+        <p14:creationId xmlns="" xmlns:p14="http://schemas.microsoft.com/office/powerpoint/2010/main" val="2408268102"/>
       </p:ext>
     </p:extLst>
   </p:cSld>
@@ -13680,7 +13700,7 @@
                   </a:innerShdw>
                 </a:effectLst>
               </a:rPr>
-              <a:t>Des questions?</a:t>
+              <a:t>Démonstration</a:t>
             </a:r>
             <a:r>
               <a:rPr lang="fr-FR" dirty="0" smtClean="0"/>
@@ -13736,20 +13756,20 @@
           </a:p>
           <a:p>
             <a:r>
+              <a:rPr lang="fr-FR" sz="1800" dirty="0" smtClean="0"/>
+              <a:t>Jean-Charles </a:t>
+            </a:r>
+            <a:r>
               <a:rPr lang="fr-FR" sz="1800" dirty="0" err="1" smtClean="0"/>
-              <a:t>Jean-charles</a:t>
+              <a:t>Chrun</a:t>
             </a:r>
             <a:r>
               <a:rPr lang="fr-FR" sz="1800" dirty="0" smtClean="0"/>
               <a:t> </a:t>
             </a:r>
             <a:r>
-              <a:rPr lang="fr-FR" sz="1800" dirty="0" err="1"/>
-              <a:t>Chrun</a:t>
-            </a:r>
-            <a:r>
               <a:rPr lang="fr-FR" sz="1800" dirty="0"/>
-              <a:t> - </a:t>
+              <a:t>- </a:t>
             </a:r>
             <a:r>
               <a:rPr lang="fr-FR" sz="1800" dirty="0" smtClean="0"/>
@@ -13788,10 +13808,34 @@
           </a:p>
         </p:txBody>
       </p:sp>
+      <p:pic>
+        <p:nvPicPr>
+          <p:cNvPr id="4" name="Image 3" descr="logo.png"/>
+          <p:cNvPicPr>
+            <a:picLocks noChangeAspect="1"/>
+          </p:cNvPicPr>
+          <p:nvPr/>
+        </p:nvPicPr>
+        <p:blipFill>
+          <a:blip r:embed="rId2" cstate="print"/>
+          <a:stretch>
+            <a:fillRect/>
+          </a:stretch>
+        </p:blipFill>
+        <p:spPr>
+          <a:xfrm>
+            <a:off x="2339752" y="2060848"/>
+            <a:ext cx="1080120" cy="1437109"/>
+          </a:xfrm>
+          <a:prstGeom prst="rect">
+            <a:avLst/>
+          </a:prstGeom>
+        </p:spPr>
+      </p:pic>
     </p:spTree>
     <p:extLst>
       <p:ext uri="{BB962C8B-B14F-4D97-AF65-F5344CB8AC3E}">
-        <p14:creationId xmlns:p14="http://schemas.microsoft.com/office/powerpoint/2010/main" xmlns="" val="344107304"/>
+        <p14:creationId xmlns="" xmlns:p14="http://schemas.microsoft.com/office/powerpoint/2010/main" val="344107304"/>
       </p:ext>
     </p:extLst>
   </p:cSld>
@@ -13953,7 +13997,7 @@
     </p:spTree>
     <p:extLst>
       <p:ext uri="{BB962C8B-B14F-4D97-AF65-F5344CB8AC3E}">
-        <p14:creationId xmlns:p14="http://schemas.microsoft.com/office/powerpoint/2010/main" xmlns="" val="3494858587"/>
+        <p14:creationId xmlns="" xmlns:p14="http://schemas.microsoft.com/office/powerpoint/2010/main" val="3494858587"/>
       </p:ext>
     </p:extLst>
   </p:cSld>
@@ -14668,7 +14712,7 @@
     </p:spTree>
     <p:extLst>
       <p:ext uri="{BB962C8B-B14F-4D97-AF65-F5344CB8AC3E}">
-        <p14:creationId xmlns:p14="http://schemas.microsoft.com/office/powerpoint/2010/main" xmlns="" val="1891081468"/>
+        <p14:creationId xmlns="" xmlns:p14="http://schemas.microsoft.com/office/powerpoint/2010/main" val="1891081468"/>
       </p:ext>
     </p:extLst>
   </p:cSld>
@@ -15313,7 +15357,7 @@
     </p:spTree>
     <p:extLst>
       <p:ext uri="{BB962C8B-B14F-4D97-AF65-F5344CB8AC3E}">
-        <p14:creationId xmlns:p14="http://schemas.microsoft.com/office/powerpoint/2010/main" xmlns="" val="1182044538"/>
+        <p14:creationId xmlns="" xmlns:p14="http://schemas.microsoft.com/office/powerpoint/2010/main" val="1182044538"/>
       </p:ext>
     </p:extLst>
   </p:cSld>
@@ -16219,7 +16263,7 @@
     </p:spTree>
     <p:extLst>
       <p:ext uri="{BB962C8B-B14F-4D97-AF65-F5344CB8AC3E}">
-        <p14:creationId xmlns:p14="http://schemas.microsoft.com/office/powerpoint/2010/main" xmlns="" val="1910219718"/>
+        <p14:creationId xmlns="" xmlns:p14="http://schemas.microsoft.com/office/powerpoint/2010/main" val="1910219718"/>
       </p:ext>
     </p:extLst>
   </p:cSld>
@@ -16875,7 +16919,7 @@
     </p:spTree>
     <p:extLst>
       <p:ext uri="{BB962C8B-B14F-4D97-AF65-F5344CB8AC3E}">
-        <p14:creationId xmlns:p14="http://schemas.microsoft.com/office/powerpoint/2010/main" xmlns="" val="432644293"/>
+        <p14:creationId xmlns="" xmlns:p14="http://schemas.microsoft.com/office/powerpoint/2010/main" val="432644293"/>
       </p:ext>
     </p:extLst>
   </p:cSld>
@@ -17903,7 +17947,7 @@
     </p:spTree>
     <p:extLst>
       <p:ext uri="{BB962C8B-B14F-4D97-AF65-F5344CB8AC3E}">
-        <p14:creationId xmlns:p14="http://schemas.microsoft.com/office/powerpoint/2010/main" xmlns="" val="3539490937"/>
+        <p14:creationId xmlns="" xmlns:p14="http://schemas.microsoft.com/office/powerpoint/2010/main" val="3539490937"/>
       </p:ext>
     </p:extLst>
   </p:cSld>
@@ -18809,7 +18853,7 @@
     </p:spTree>
     <p:extLst>
       <p:ext uri="{BB962C8B-B14F-4D97-AF65-F5344CB8AC3E}">
-        <p14:creationId xmlns:p14="http://schemas.microsoft.com/office/powerpoint/2010/main" xmlns="" val="1074646878"/>
+        <p14:creationId xmlns="" xmlns:p14="http://schemas.microsoft.com/office/powerpoint/2010/main" val="1074646878"/>
       </p:ext>
     </p:extLst>
   </p:cSld>
